--- a/assignments/Final_Project/Final_presentation.pptx
+++ b/assignments/Final_Project/Final_presentation.pptx
@@ -12838,7 +12838,7 @@
             </p:nvPr>
           </p:nvPicPr>
           <p:blipFill>
-            <a:blip r:embed="rId2">
+            <a:blip r:embed="rId4">
               <a:alphaModFix amt="30000"/>
               <a:duotone>
                 <a:prstClr val="black"/>
@@ -14853,6 +14853,39 @@
           </a:p>
         </p:txBody>
       </p:sp>
+      <p:pic>
+        <p:nvPicPr>
+          <p:cNvPr id="4" name="story_of_girl">
+            <a:hlinkClick r:id="" action="ppaction://media"/>
+          </p:cNvPr>
+          <p:cNvPicPr>
+            <a:picLocks noChangeAspect="1"/>
+          </p:cNvPicPr>
+          <p:nvPr>
+            <a:audioFile r:link="rId2"/>
+            <p:extLst>
+              <p:ext uri="{DAA4B4D4-6D71-4841-9C94-3DE7FCFB9230}">
+                <p14:media xmlns:p14="http://schemas.microsoft.com/office/powerpoint/2010/main" r:embed="rId1"/>
+              </p:ext>
+            </p:extLst>
+          </p:nvPr>
+        </p:nvPicPr>
+        <p:blipFill>
+          <a:blip r:embed="rId5"/>
+          <a:stretch>
+            <a:fillRect/>
+          </a:stretch>
+        </p:blipFill>
+        <p:spPr>
+          <a:xfrm>
+            <a:off x="199495" y="6006571"/>
+            <a:ext cx="812800" cy="812800"/>
+          </a:xfrm>
+          <a:prstGeom prst="rect">
+            <a:avLst/>
+          </a:prstGeom>
+        </p:spPr>
+      </p:pic>
     </p:spTree>
     <p:extLst>
       <p:ext uri="{BB962C8B-B14F-4D97-AF65-F5344CB8AC3E}">
@@ -14866,7 +14899,87 @@
   <p:timing>
     <p:tnLst>
       <p:par>
-        <p:cTn id="1" dur="indefinite" restart="never" nodeType="tmRoot"/>
+        <p:cTn id="1" dur="indefinite" restart="never" nodeType="tmRoot">
+          <p:childTnLst>
+            <p:seq concurrent="1" nextAc="seek">
+              <p:cTn id="2" restart="whenNotActive" fill="hold" evtFilter="cancelBubble" nodeType="interactiveSeq">
+                <p:stCondLst>
+                  <p:cond evt="onClick" delay="0">
+                    <p:tgtEl>
+                      <p:spTgt spid="4"/>
+                    </p:tgtEl>
+                  </p:cond>
+                </p:stCondLst>
+                <p:endSync evt="end" delay="0">
+                  <p:rtn val="all"/>
+                </p:endSync>
+                <p:childTnLst>
+                  <p:par>
+                    <p:cTn id="3" fill="hold">
+                      <p:stCondLst>
+                        <p:cond delay="0"/>
+                      </p:stCondLst>
+                      <p:childTnLst>
+                        <p:par>
+                          <p:cTn id="4" fill="hold">
+                            <p:stCondLst>
+                              <p:cond delay="0"/>
+                            </p:stCondLst>
+                            <p:childTnLst>
+                              <p:par>
+                                <p:cTn id="5" presetID="1" presetClass="mediacall" presetSubtype="0" fill="hold" nodeType="clickEffect">
+                                  <p:stCondLst>
+                                    <p:cond delay="0"/>
+                                  </p:stCondLst>
+                                  <p:childTnLst>
+                                    <p:cmd type="call" cmd="playFrom(0.0)">
+                                      <p:cBhvr>
+                                        <p:cTn id="6" dur="13606" fill="hold"/>
+                                        <p:tgtEl>
+                                          <p:spTgt spid="4"/>
+                                        </p:tgtEl>
+                                      </p:cBhvr>
+                                    </p:cmd>
+                                  </p:childTnLst>
+                                </p:cTn>
+                              </p:par>
+                            </p:childTnLst>
+                          </p:cTn>
+                        </p:par>
+                      </p:childTnLst>
+                    </p:cTn>
+                  </p:par>
+                </p:childTnLst>
+              </p:cTn>
+              <p:nextCondLst>
+                <p:cond evt="onClick" delay="0">
+                  <p:tgtEl>
+                    <p:spTgt spid="4"/>
+                  </p:tgtEl>
+                </p:cond>
+              </p:nextCondLst>
+            </p:seq>
+            <p:audio>
+              <p:cMediaNode vol="80000">
+                <p:cTn id="7" fill="hold" display="0">
+                  <p:stCondLst>
+                    <p:cond delay="indefinite"/>
+                  </p:stCondLst>
+                  <p:endCondLst>
+                    <p:cond evt="onStopAudio" delay="0">
+                      <p:tgtEl>
+                        <p:sldTgt/>
+                      </p:tgtEl>
+                    </p:cond>
+                  </p:endCondLst>
+                </p:cTn>
+                <p:tgtEl>
+                  <p:spTgt spid="4"/>
+                </p:tgtEl>
+              </p:cMediaNode>
+            </p:audio>
+          </p:childTnLst>
+        </p:cTn>
       </p:par>
     </p:tnLst>
   </p:timing>
